--- a/Drug_reminder.pptx
+++ b/Drug_reminder.pptx
@@ -9,9 +9,10 @@
     <p:sldId id="257" r:id="rId3"/>
     <p:sldId id="262" r:id="rId4"/>
     <p:sldId id="258" r:id="rId5"/>
-    <p:sldId id="259" r:id="rId6"/>
-    <p:sldId id="260" r:id="rId7"/>
-    <p:sldId id="261" r:id="rId8"/>
+    <p:sldId id="263" r:id="rId6"/>
+    <p:sldId id="259" r:id="rId7"/>
+    <p:sldId id="260" r:id="rId8"/>
+    <p:sldId id="261" r:id="rId9"/>
   </p:sldIdLst>
   <p:sldSz cx="12192000" cy="6858000"/>
   <p:notesSz cx="6858000" cy="9144000"/>
@@ -3792,12 +3793,50 @@
           <a:chExt cx="0" cy="0"/>
         </a:xfrm>
       </p:grpSpPr>
+      <p:sp>
+        <p:nvSpPr>
+          <p:cNvPr id="2" name="Title 1">
+            <a:extLst>
+              <a:ext uri="{FF2B5EF4-FFF2-40B4-BE49-F238E27FC236}">
+                <a16:creationId xmlns:a16="http://schemas.microsoft.com/office/drawing/2014/main" id="{84F459EA-472A-444D-B929-BD2CB12BD572}"/>
+              </a:ext>
+            </a:extLst>
+          </p:cNvPr>
+          <p:cNvSpPr>
+            <a:spLocks noGrp="1"/>
+          </p:cNvSpPr>
+          <p:nvPr>
+            <p:ph type="title"/>
+          </p:nvPr>
+        </p:nvSpPr>
+        <p:spPr>
+          <a:xfrm>
+            <a:off x="838200" y="365125"/>
+            <a:ext cx="10515600" cy="4287557"/>
+          </a:xfrm>
+        </p:spPr>
+        <p:txBody>
+          <a:bodyPr>
+            <a:normAutofit/>
+          </a:bodyPr>
+          <a:lstStyle/>
+          <a:p>
+            <a:r>
+              <a:rPr lang="en-US" sz="11500" dirty="0">
+                <a:hlinkClick r:id="rId2"/>
+              </a:rPr>
+              <a:t>DSR</a:t>
+            </a:r>
+            <a:endParaRPr lang="en-US" sz="11500" dirty="0"/>
+          </a:p>
+        </p:txBody>
+      </p:sp>
       <p:pic>
         <p:nvPicPr>
           <p:cNvPr id="5" name="Picture 4">
             <a:extLst>
               <a:ext uri="{FF2B5EF4-FFF2-40B4-BE49-F238E27FC236}">
-                <a16:creationId xmlns:a16="http://schemas.microsoft.com/office/drawing/2014/main" id="{6953C199-5234-8543-B9C3-F3B1B4D8B1B7}"/>
+                <a16:creationId xmlns:a16="http://schemas.microsoft.com/office/drawing/2014/main" id="{9BECAC6E-1C73-4743-8813-34F584C99C4B}"/>
               </a:ext>
             </a:extLst>
           </p:cNvPr>
@@ -3806,89 +3845,26 @@
           </p:cNvPicPr>
           <p:nvPr/>
         </p:nvPicPr>
-        <p:blipFill rotWithShape="1">
-          <a:blip r:embed="rId2"/>
-          <a:srcRect t="4313" b="22353"/>
-          <a:stretch/>
+        <p:blipFill>
+          <a:blip r:embed="rId3"/>
+          <a:stretch>
+            <a:fillRect/>
+          </a:stretch>
         </p:blipFill>
         <p:spPr>
           <a:xfrm>
-            <a:off x="6641447" y="927847"/>
-            <a:ext cx="3857625" cy="5029200"/>
+            <a:off x="3758119" y="0"/>
+            <a:ext cx="8433881" cy="6858000"/>
           </a:xfrm>
           <a:prstGeom prst="rect">
             <a:avLst/>
           </a:prstGeom>
         </p:spPr>
       </p:pic>
-      <p:pic>
-        <p:nvPicPr>
-          <p:cNvPr id="7" name="Picture 6">
-            <a:extLst>
-              <a:ext uri="{FF2B5EF4-FFF2-40B4-BE49-F238E27FC236}">
-                <a16:creationId xmlns:a16="http://schemas.microsoft.com/office/drawing/2014/main" id="{3407D086-9193-6344-BC29-6A3A389FD066}"/>
-              </a:ext>
-            </a:extLst>
-          </p:cNvPr>
-          <p:cNvPicPr>
-            <a:picLocks noChangeAspect="1"/>
-          </p:cNvPicPr>
-          <p:nvPr/>
-        </p:nvPicPr>
-        <p:blipFill rotWithShape="1">
-          <a:blip r:embed="rId3"/>
-          <a:srcRect t="13255" b="8235"/>
-          <a:stretch/>
-        </p:blipFill>
-        <p:spPr>
-          <a:xfrm>
-            <a:off x="1923211" y="1204846"/>
-            <a:ext cx="3857625" cy="5384213"/>
-          </a:xfrm>
-          <a:prstGeom prst="rect">
-            <a:avLst/>
-          </a:prstGeom>
-        </p:spPr>
-      </p:pic>
-      <p:sp>
-        <p:nvSpPr>
-          <p:cNvPr id="8" name="TextBox 7">
-            <a:extLst>
-              <a:ext uri="{FF2B5EF4-FFF2-40B4-BE49-F238E27FC236}">
-                <a16:creationId xmlns:a16="http://schemas.microsoft.com/office/drawing/2014/main" id="{61DE5562-25D7-4A40-B072-83A25B60BE66}"/>
-              </a:ext>
-            </a:extLst>
-          </p:cNvPr>
-          <p:cNvSpPr txBox="1"/>
-          <p:nvPr/>
-        </p:nvSpPr>
-        <p:spPr>
-          <a:xfrm>
-            <a:off x="326782" y="281516"/>
-            <a:ext cx="4048288" cy="923330"/>
-          </a:xfrm>
-          <a:prstGeom prst="rect">
-            <a:avLst/>
-          </a:prstGeom>
-          <a:noFill/>
-        </p:spPr>
-        <p:txBody>
-          <a:bodyPr wrap="none" rtlCol="0">
-            <a:spAutoFit/>
-          </a:bodyPr>
-          <a:lstStyle/>
-          <a:p>
-            <a:r>
-              <a:rPr lang="en-US" sz="5400" b="1" dirty="0"/>
-              <a:t>First message</a:t>
-            </a:r>
-          </a:p>
-        </p:txBody>
-      </p:sp>
     </p:spTree>
     <p:extLst>
       <p:ext uri="{BB962C8B-B14F-4D97-AF65-F5344CB8AC3E}">
-        <p14:creationId xmlns:p14="http://schemas.microsoft.com/office/powerpoint/2010/main" val="3382242269"/>
+        <p14:creationId xmlns:p14="http://schemas.microsoft.com/office/powerpoint/2010/main" val="1112508935"/>
       </p:ext>
     </p:extLst>
   </p:cSld>
@@ -3917,6 +3893,129 @@
       </p:grpSpPr>
       <p:pic>
         <p:nvPicPr>
+          <p:cNvPr id="5" name="Picture 4">
+            <a:extLst>
+              <a:ext uri="{FF2B5EF4-FFF2-40B4-BE49-F238E27FC236}">
+                <a16:creationId xmlns:a16="http://schemas.microsoft.com/office/drawing/2014/main" id="{6953C199-5234-8543-B9C3-F3B1B4D8B1B7}"/>
+              </a:ext>
+            </a:extLst>
+          </p:cNvPr>
+          <p:cNvPicPr>
+            <a:picLocks noChangeAspect="1"/>
+          </p:cNvPicPr>
+          <p:nvPr/>
+        </p:nvPicPr>
+        <p:blipFill rotWithShape="1">
+          <a:blip r:embed="rId2"/>
+          <a:srcRect t="4313" b="22353"/>
+          <a:stretch/>
+        </p:blipFill>
+        <p:spPr>
+          <a:xfrm>
+            <a:off x="6641447" y="927847"/>
+            <a:ext cx="3857625" cy="5029200"/>
+          </a:xfrm>
+          <a:prstGeom prst="rect">
+            <a:avLst/>
+          </a:prstGeom>
+        </p:spPr>
+      </p:pic>
+      <p:pic>
+        <p:nvPicPr>
+          <p:cNvPr id="7" name="Picture 6">
+            <a:extLst>
+              <a:ext uri="{FF2B5EF4-FFF2-40B4-BE49-F238E27FC236}">
+                <a16:creationId xmlns:a16="http://schemas.microsoft.com/office/drawing/2014/main" id="{3407D086-9193-6344-BC29-6A3A389FD066}"/>
+              </a:ext>
+            </a:extLst>
+          </p:cNvPr>
+          <p:cNvPicPr>
+            <a:picLocks noChangeAspect="1"/>
+          </p:cNvPicPr>
+          <p:nvPr/>
+        </p:nvPicPr>
+        <p:blipFill rotWithShape="1">
+          <a:blip r:embed="rId3"/>
+          <a:srcRect t="13255" b="8235"/>
+          <a:stretch/>
+        </p:blipFill>
+        <p:spPr>
+          <a:xfrm>
+            <a:off x="1923211" y="1204846"/>
+            <a:ext cx="3857625" cy="5384213"/>
+          </a:xfrm>
+          <a:prstGeom prst="rect">
+            <a:avLst/>
+          </a:prstGeom>
+        </p:spPr>
+      </p:pic>
+      <p:sp>
+        <p:nvSpPr>
+          <p:cNvPr id="8" name="TextBox 7">
+            <a:extLst>
+              <a:ext uri="{FF2B5EF4-FFF2-40B4-BE49-F238E27FC236}">
+                <a16:creationId xmlns:a16="http://schemas.microsoft.com/office/drawing/2014/main" id="{61DE5562-25D7-4A40-B072-83A25B60BE66}"/>
+              </a:ext>
+            </a:extLst>
+          </p:cNvPr>
+          <p:cNvSpPr txBox="1"/>
+          <p:nvPr/>
+        </p:nvSpPr>
+        <p:spPr>
+          <a:xfrm>
+            <a:off x="326782" y="281516"/>
+            <a:ext cx="4048288" cy="923330"/>
+          </a:xfrm>
+          <a:prstGeom prst="rect">
+            <a:avLst/>
+          </a:prstGeom>
+          <a:noFill/>
+        </p:spPr>
+        <p:txBody>
+          <a:bodyPr wrap="none" rtlCol="0">
+            <a:spAutoFit/>
+          </a:bodyPr>
+          <a:lstStyle/>
+          <a:p>
+            <a:r>
+              <a:rPr lang="en-US" sz="5400" b="1" dirty="0"/>
+              <a:t>First message</a:t>
+            </a:r>
+          </a:p>
+        </p:txBody>
+      </p:sp>
+    </p:spTree>
+    <p:extLst>
+      <p:ext uri="{BB962C8B-B14F-4D97-AF65-F5344CB8AC3E}">
+        <p14:creationId xmlns:p14="http://schemas.microsoft.com/office/powerpoint/2010/main" val="3382242269"/>
+      </p:ext>
+    </p:extLst>
+  </p:cSld>
+  <p:clrMapOvr>
+    <a:masterClrMapping/>
+  </p:clrMapOvr>
+</p:sld>
+</file>
+
+<file path=ppt/slides/slide7.xml><?xml version="1.0" encoding="utf-8"?>
+<p:sld xmlns:a="http://schemas.openxmlformats.org/drawingml/2006/main" xmlns:r="http://schemas.openxmlformats.org/officeDocument/2006/relationships" xmlns:p="http://schemas.openxmlformats.org/presentationml/2006/main">
+  <p:cSld>
+    <p:spTree>
+      <p:nvGrpSpPr>
+        <p:cNvPr id="1" name=""/>
+        <p:cNvGrpSpPr/>
+        <p:nvPr/>
+      </p:nvGrpSpPr>
+      <p:grpSpPr>
+        <a:xfrm>
+          <a:off x="0" y="0"/>
+          <a:ext cx="0" cy="0"/>
+          <a:chOff x="0" y="0"/>
+          <a:chExt cx="0" cy="0"/>
+        </a:xfrm>
+      </p:grpSpPr>
+      <p:pic>
+        <p:nvPicPr>
           <p:cNvPr id="4" name="Picture 3">
             <a:extLst>
               <a:ext uri="{FF2B5EF4-FFF2-40B4-BE49-F238E27FC236}">
@@ -3992,7 +4091,7 @@
 </p:sld>
 </file>
 
-<file path=ppt/slides/slide7.xml><?xml version="1.0" encoding="utf-8"?>
+<file path=ppt/slides/slide8.xml><?xml version="1.0" encoding="utf-8"?>
 <p:sld xmlns:a="http://schemas.openxmlformats.org/drawingml/2006/main" xmlns:r="http://schemas.openxmlformats.org/officeDocument/2006/relationships" xmlns:p="http://schemas.openxmlformats.org/presentationml/2006/main">
   <p:cSld>
     <p:spTree>

--- a/Drug_reminder.pptx
+++ b/Drug_reminder.pptx
@@ -11,8 +11,9 @@
     <p:sldId id="258" r:id="rId5"/>
     <p:sldId id="263" r:id="rId6"/>
     <p:sldId id="259" r:id="rId7"/>
-    <p:sldId id="260" r:id="rId8"/>
-    <p:sldId id="261" r:id="rId9"/>
+    <p:sldId id="264" r:id="rId8"/>
+    <p:sldId id="260" r:id="rId9"/>
+    <p:sldId id="261" r:id="rId10"/>
   </p:sldIdLst>
   <p:sldSz cx="12192000" cy="6858000"/>
   <p:notesSz cx="6858000" cy="9144000"/>
@@ -4016,10 +4017,10 @@
       </p:grpSpPr>
       <p:pic>
         <p:nvPicPr>
-          <p:cNvPr id="4" name="Picture 3">
-            <a:extLst>
-              <a:ext uri="{FF2B5EF4-FFF2-40B4-BE49-F238E27FC236}">
-                <a16:creationId xmlns:a16="http://schemas.microsoft.com/office/drawing/2014/main" id="{C61F329B-FE4F-4D4E-9F3B-3F7CA2290FEB}"/>
+          <p:cNvPr id="5" name="Picture 4">
+            <a:extLst>
+              <a:ext uri="{FF2B5EF4-FFF2-40B4-BE49-F238E27FC236}">
+                <a16:creationId xmlns:a16="http://schemas.microsoft.com/office/drawing/2014/main" id="{6953C199-5234-8543-B9C3-F3B1B4D8B1B7}"/>
               </a:ext>
             </a:extLst>
           </p:cNvPr>
@@ -4030,25 +4031,54 @@
         </p:nvPicPr>
         <p:blipFill rotWithShape="1">
           <a:blip r:embed="rId2"/>
-          <a:srcRect l="-2789" t="77219" r="2789" b="-120"/>
+          <a:srcRect t="4313" b="22353"/>
           <a:stretch/>
         </p:blipFill>
         <p:spPr>
           <a:xfrm>
-            <a:off x="2015658" y="1532965"/>
-            <a:ext cx="8984036" cy="3657600"/>
+            <a:off x="6641447" y="927847"/>
+            <a:ext cx="3857625" cy="5029200"/>
           </a:xfrm>
           <a:prstGeom prst="rect">
             <a:avLst/>
           </a:prstGeom>
         </p:spPr>
       </p:pic>
-      <p:sp>
-        <p:nvSpPr>
-          <p:cNvPr id="5" name="TextBox 4">
-            <a:extLst>
-              <a:ext uri="{FF2B5EF4-FFF2-40B4-BE49-F238E27FC236}">
-                <a16:creationId xmlns:a16="http://schemas.microsoft.com/office/drawing/2014/main" id="{8E98B73C-05FC-C14A-8F9A-E0347174EFF9}"/>
+      <p:pic>
+        <p:nvPicPr>
+          <p:cNvPr id="7" name="Picture 6">
+            <a:extLst>
+              <a:ext uri="{FF2B5EF4-FFF2-40B4-BE49-F238E27FC236}">
+                <a16:creationId xmlns:a16="http://schemas.microsoft.com/office/drawing/2014/main" id="{3407D086-9193-6344-BC29-6A3A389FD066}"/>
+              </a:ext>
+            </a:extLst>
+          </p:cNvPr>
+          <p:cNvPicPr>
+            <a:picLocks noChangeAspect="1"/>
+          </p:cNvPicPr>
+          <p:nvPr/>
+        </p:nvPicPr>
+        <p:blipFill rotWithShape="1">
+          <a:blip r:embed="rId3"/>
+          <a:srcRect t="13255" b="8235"/>
+          <a:stretch/>
+        </p:blipFill>
+        <p:spPr>
+          <a:xfrm>
+            <a:off x="1923211" y="1204846"/>
+            <a:ext cx="3857625" cy="5384213"/>
+          </a:xfrm>
+          <a:prstGeom prst="rect">
+            <a:avLst/>
+          </a:prstGeom>
+        </p:spPr>
+      </p:pic>
+      <p:sp>
+        <p:nvSpPr>
+          <p:cNvPr id="8" name="TextBox 7">
+            <a:extLst>
+              <a:ext uri="{FF2B5EF4-FFF2-40B4-BE49-F238E27FC236}">
+                <a16:creationId xmlns:a16="http://schemas.microsoft.com/office/drawing/2014/main" id="{61DE5562-25D7-4A40-B072-83A25B60BE66}"/>
               </a:ext>
             </a:extLst>
           </p:cNvPr>
@@ -4058,7 +4088,7 @@
         <p:spPr>
           <a:xfrm>
             <a:off x="326782" y="281516"/>
-            <a:ext cx="5867697" cy="923330"/>
+            <a:ext cx="4048288" cy="923330"/>
           </a:xfrm>
           <a:prstGeom prst="rect">
             <a:avLst/>
@@ -4073,7 +4103,309 @@
           <a:p>
             <a:r>
               <a:rPr lang="en-US" sz="5400" b="1" dirty="0"/>
-              <a:t>Following messages</a:t>
+              <a:t>First message</a:t>
+            </a:r>
+          </a:p>
+        </p:txBody>
+      </p:sp>
+      <p:sp>
+        <p:nvSpPr>
+          <p:cNvPr id="2" name="Rounded Rectangle 1">
+            <a:extLst>
+              <a:ext uri="{FF2B5EF4-FFF2-40B4-BE49-F238E27FC236}">
+                <a16:creationId xmlns:a16="http://schemas.microsoft.com/office/drawing/2014/main" id="{73432953-3B78-304C-AA74-D7B999E97641}"/>
+              </a:ext>
+            </a:extLst>
+          </p:cNvPr>
+          <p:cNvSpPr/>
+          <p:nvPr/>
+        </p:nvSpPr>
+        <p:spPr>
+          <a:xfrm>
+            <a:off x="1923211" y="1396645"/>
+            <a:ext cx="2728072" cy="701095"/>
+          </a:xfrm>
+          <a:prstGeom prst="roundRect">
+            <a:avLst/>
+          </a:prstGeom>
+          <a:noFill/>
+          <a:ln w="73025">
+            <a:solidFill>
+              <a:schemeClr val="accent6">
+                <a:lumMod val="75000"/>
+              </a:schemeClr>
+            </a:solidFill>
+          </a:ln>
+        </p:spPr>
+        <p:style>
+          <a:lnRef idx="2">
+            <a:schemeClr val="accent1">
+              <a:shade val="50000"/>
+            </a:schemeClr>
+          </a:lnRef>
+          <a:fillRef idx="1">
+            <a:schemeClr val="accent1"/>
+          </a:fillRef>
+          <a:effectRef idx="0">
+            <a:schemeClr val="accent1"/>
+          </a:effectRef>
+          <a:fontRef idx="minor">
+            <a:schemeClr val="lt1"/>
+          </a:fontRef>
+        </p:style>
+        <p:txBody>
+          <a:bodyPr rtlCol="0" anchor="ctr"/>
+          <a:lstStyle/>
+          <a:p>
+            <a:pPr algn="ctr"/>
+            <a:endParaRPr lang="en-US"/>
+          </a:p>
+        </p:txBody>
+      </p:sp>
+      <p:sp>
+        <p:nvSpPr>
+          <p:cNvPr id="6" name="Rounded Rectangle 5">
+            <a:extLst>
+              <a:ext uri="{FF2B5EF4-FFF2-40B4-BE49-F238E27FC236}">
+                <a16:creationId xmlns:a16="http://schemas.microsoft.com/office/drawing/2014/main" id="{C7F2B10E-611B-C841-994F-FA357BC0B0C0}"/>
+              </a:ext>
+            </a:extLst>
+          </p:cNvPr>
+          <p:cNvSpPr/>
+          <p:nvPr/>
+        </p:nvSpPr>
+        <p:spPr>
+          <a:xfrm>
+            <a:off x="6683177" y="5178810"/>
+            <a:ext cx="2728072" cy="701095"/>
+          </a:xfrm>
+          <a:prstGeom prst="roundRect">
+            <a:avLst/>
+          </a:prstGeom>
+          <a:noFill/>
+          <a:ln w="73025">
+            <a:solidFill>
+              <a:schemeClr val="accent6">
+                <a:lumMod val="75000"/>
+              </a:schemeClr>
+            </a:solidFill>
+          </a:ln>
+        </p:spPr>
+        <p:style>
+          <a:lnRef idx="2">
+            <a:schemeClr val="accent1">
+              <a:shade val="50000"/>
+            </a:schemeClr>
+          </a:lnRef>
+          <a:fillRef idx="1">
+            <a:schemeClr val="accent1"/>
+          </a:fillRef>
+          <a:effectRef idx="0">
+            <a:schemeClr val="accent1"/>
+          </a:effectRef>
+          <a:fontRef idx="minor">
+            <a:schemeClr val="lt1"/>
+          </a:fontRef>
+        </p:style>
+        <p:txBody>
+          <a:bodyPr rtlCol="0" anchor="ctr"/>
+          <a:lstStyle/>
+          <a:p>
+            <a:pPr algn="ctr"/>
+            <a:endParaRPr lang="en-US"/>
+          </a:p>
+        </p:txBody>
+      </p:sp>
+      <p:sp>
+        <p:nvSpPr>
+          <p:cNvPr id="9" name="TextBox 8">
+            <a:extLst>
+              <a:ext uri="{FF2B5EF4-FFF2-40B4-BE49-F238E27FC236}">
+                <a16:creationId xmlns:a16="http://schemas.microsoft.com/office/drawing/2014/main" id="{C524DFEB-63FB-9041-8E4B-9340E8074045}"/>
+              </a:ext>
+            </a:extLst>
+          </p:cNvPr>
+          <p:cNvSpPr txBox="1"/>
+          <p:nvPr/>
+        </p:nvSpPr>
+        <p:spPr>
+          <a:xfrm>
+            <a:off x="326782" y="2289539"/>
+            <a:ext cx="1927522" cy="830997"/>
+          </a:xfrm>
+          <a:prstGeom prst="rect">
+            <a:avLst/>
+          </a:prstGeom>
+          <a:noFill/>
+        </p:spPr>
+        <p:txBody>
+          <a:bodyPr wrap="square" rtlCol="0">
+            <a:spAutoFit/>
+          </a:bodyPr>
+          <a:lstStyle/>
+          <a:p>
+            <a:pPr algn="ctr"/>
+            <a:r>
+              <a:rPr lang="en-US" sz="2400" b="1" dirty="0"/>
+              <a:t>Drug interactions</a:t>
+            </a:r>
+          </a:p>
+        </p:txBody>
+      </p:sp>
+      <p:sp>
+        <p:nvSpPr>
+          <p:cNvPr id="11" name="TextBox 10">
+            <a:extLst>
+              <a:ext uri="{FF2B5EF4-FFF2-40B4-BE49-F238E27FC236}">
+                <a16:creationId xmlns:a16="http://schemas.microsoft.com/office/drawing/2014/main" id="{7EE5389A-B8D7-F245-A645-05B4E755DA1D}"/>
+              </a:ext>
+            </a:extLst>
+          </p:cNvPr>
+          <p:cNvSpPr txBox="1"/>
+          <p:nvPr/>
+        </p:nvSpPr>
+        <p:spPr>
+          <a:xfrm>
+            <a:off x="326782" y="3182433"/>
+            <a:ext cx="1927522" cy="830997"/>
+          </a:xfrm>
+          <a:prstGeom prst="rect">
+            <a:avLst/>
+          </a:prstGeom>
+          <a:noFill/>
+        </p:spPr>
+        <p:txBody>
+          <a:bodyPr wrap="square" rtlCol="0">
+            <a:spAutoFit/>
+          </a:bodyPr>
+          <a:lstStyle/>
+          <a:p>
+            <a:pPr algn="ctr"/>
+            <a:r>
+              <a:rPr lang="en-US" sz="2400" b="1" dirty="0"/>
+              <a:t>Food interactions</a:t>
+            </a:r>
+          </a:p>
+        </p:txBody>
+      </p:sp>
+      <p:sp>
+        <p:nvSpPr>
+          <p:cNvPr id="12" name="TextBox 11">
+            <a:extLst>
+              <a:ext uri="{FF2B5EF4-FFF2-40B4-BE49-F238E27FC236}">
+                <a16:creationId xmlns:a16="http://schemas.microsoft.com/office/drawing/2014/main" id="{39141F89-37B9-724B-9D37-307B41D68457}"/>
+              </a:ext>
+            </a:extLst>
+          </p:cNvPr>
+          <p:cNvSpPr txBox="1"/>
+          <p:nvPr/>
+        </p:nvSpPr>
+        <p:spPr>
+          <a:xfrm>
+            <a:off x="9411249" y="1866907"/>
+            <a:ext cx="1927522" cy="1200329"/>
+          </a:xfrm>
+          <a:prstGeom prst="rect">
+            <a:avLst/>
+          </a:prstGeom>
+          <a:noFill/>
+        </p:spPr>
+        <p:txBody>
+          <a:bodyPr wrap="square" rtlCol="0">
+            <a:spAutoFit/>
+          </a:bodyPr>
+          <a:lstStyle/>
+          <a:p>
+            <a:pPr algn="ctr"/>
+            <a:r>
+              <a:rPr lang="en-US" sz="2400" b="1" dirty="0"/>
+              <a:t>Toxicity</a:t>
+            </a:r>
+          </a:p>
+          <a:p>
+            <a:pPr algn="ctr"/>
+            <a:r>
+              <a:rPr lang="en-US" sz="2400" b="1" dirty="0"/>
+              <a:t>And</a:t>
+            </a:r>
+          </a:p>
+          <a:p>
+            <a:pPr algn="ctr"/>
+            <a:r>
+              <a:rPr lang="en-US" sz="2400" b="1" dirty="0"/>
+              <a:t>Side effects</a:t>
+            </a:r>
+          </a:p>
+        </p:txBody>
+      </p:sp>
+      <p:sp>
+        <p:nvSpPr>
+          <p:cNvPr id="13" name="TextBox 12">
+            <a:extLst>
+              <a:ext uri="{FF2B5EF4-FFF2-40B4-BE49-F238E27FC236}">
+                <a16:creationId xmlns:a16="http://schemas.microsoft.com/office/drawing/2014/main" id="{36161970-574D-064F-956A-3D6606463B1D}"/>
+              </a:ext>
+            </a:extLst>
+          </p:cNvPr>
+          <p:cNvSpPr txBox="1"/>
+          <p:nvPr/>
+        </p:nvSpPr>
+        <p:spPr>
+          <a:xfrm>
+            <a:off x="423404" y="1506402"/>
+            <a:ext cx="1927522" cy="461665"/>
+          </a:xfrm>
+          <a:prstGeom prst="rect">
+            <a:avLst/>
+          </a:prstGeom>
+          <a:noFill/>
+        </p:spPr>
+        <p:txBody>
+          <a:bodyPr wrap="square" rtlCol="0">
+            <a:spAutoFit/>
+          </a:bodyPr>
+          <a:lstStyle/>
+          <a:p>
+            <a:pPr algn="ctr"/>
+            <a:r>
+              <a:rPr lang="en-US" sz="2400" b="1" dirty="0"/>
+              <a:t>Hello</a:t>
+            </a:r>
+          </a:p>
+        </p:txBody>
+      </p:sp>
+      <p:sp>
+        <p:nvSpPr>
+          <p:cNvPr id="14" name="TextBox 13">
+            <a:extLst>
+              <a:ext uri="{FF2B5EF4-FFF2-40B4-BE49-F238E27FC236}">
+                <a16:creationId xmlns:a16="http://schemas.microsoft.com/office/drawing/2014/main" id="{134A9DE8-54DC-234A-86EE-BC234501BB56}"/>
+              </a:ext>
+            </a:extLst>
+          </p:cNvPr>
+          <p:cNvSpPr txBox="1"/>
+          <p:nvPr/>
+        </p:nvSpPr>
+        <p:spPr>
+          <a:xfrm>
+            <a:off x="9382663" y="5178810"/>
+            <a:ext cx="1927522" cy="830997"/>
+          </a:xfrm>
+          <a:prstGeom prst="rect">
+            <a:avLst/>
+          </a:prstGeom>
+          <a:noFill/>
+        </p:spPr>
+        <p:txBody>
+          <a:bodyPr wrap="square" rtlCol="0">
+            <a:spAutoFit/>
+          </a:bodyPr>
+          <a:lstStyle/>
+          <a:p>
+            <a:pPr algn="ctr"/>
+            <a:r>
+              <a:rPr lang="en-US" sz="2400" b="1" dirty="0"/>
+              <a:t>Talk to your doctor</a:t>
             </a:r>
           </a:p>
         </p:txBody>
@@ -4081,7 +4413,7 @@
     </p:spTree>
     <p:extLst>
       <p:ext uri="{BB962C8B-B14F-4D97-AF65-F5344CB8AC3E}">
-        <p14:creationId xmlns:p14="http://schemas.microsoft.com/office/powerpoint/2010/main" val="4111071776"/>
+        <p14:creationId xmlns:p14="http://schemas.microsoft.com/office/powerpoint/2010/main" val="2567762704"/>
       </p:ext>
     </p:extLst>
   </p:cSld>
@@ -4108,6 +4440,100 @@
           <a:chExt cx="0" cy="0"/>
         </a:xfrm>
       </p:grpSpPr>
+      <p:pic>
+        <p:nvPicPr>
+          <p:cNvPr id="4" name="Picture 3">
+            <a:extLst>
+              <a:ext uri="{FF2B5EF4-FFF2-40B4-BE49-F238E27FC236}">
+                <a16:creationId xmlns:a16="http://schemas.microsoft.com/office/drawing/2014/main" id="{C61F329B-FE4F-4D4E-9F3B-3F7CA2290FEB}"/>
+              </a:ext>
+            </a:extLst>
+          </p:cNvPr>
+          <p:cNvPicPr>
+            <a:picLocks noChangeAspect="1"/>
+          </p:cNvPicPr>
+          <p:nvPr/>
+        </p:nvPicPr>
+        <p:blipFill rotWithShape="1">
+          <a:blip r:embed="rId2"/>
+          <a:srcRect l="-2789" t="77219" r="2789" b="-120"/>
+          <a:stretch/>
+        </p:blipFill>
+        <p:spPr>
+          <a:xfrm>
+            <a:off x="2015658" y="1532965"/>
+            <a:ext cx="8984036" cy="3657600"/>
+          </a:xfrm>
+          <a:prstGeom prst="rect">
+            <a:avLst/>
+          </a:prstGeom>
+        </p:spPr>
+      </p:pic>
+      <p:sp>
+        <p:nvSpPr>
+          <p:cNvPr id="5" name="TextBox 4">
+            <a:extLst>
+              <a:ext uri="{FF2B5EF4-FFF2-40B4-BE49-F238E27FC236}">
+                <a16:creationId xmlns:a16="http://schemas.microsoft.com/office/drawing/2014/main" id="{8E98B73C-05FC-C14A-8F9A-E0347174EFF9}"/>
+              </a:ext>
+            </a:extLst>
+          </p:cNvPr>
+          <p:cNvSpPr txBox="1"/>
+          <p:nvPr/>
+        </p:nvSpPr>
+        <p:spPr>
+          <a:xfrm>
+            <a:off x="326782" y="281516"/>
+            <a:ext cx="5867697" cy="923330"/>
+          </a:xfrm>
+          <a:prstGeom prst="rect">
+            <a:avLst/>
+          </a:prstGeom>
+          <a:noFill/>
+        </p:spPr>
+        <p:txBody>
+          <a:bodyPr wrap="none" rtlCol="0">
+            <a:spAutoFit/>
+          </a:bodyPr>
+          <a:lstStyle/>
+          <a:p>
+            <a:r>
+              <a:rPr lang="en-US" sz="5400" b="1" dirty="0"/>
+              <a:t>Following messages</a:t>
+            </a:r>
+          </a:p>
+        </p:txBody>
+      </p:sp>
+    </p:spTree>
+    <p:extLst>
+      <p:ext uri="{BB962C8B-B14F-4D97-AF65-F5344CB8AC3E}">
+        <p14:creationId xmlns:p14="http://schemas.microsoft.com/office/powerpoint/2010/main" val="4111071776"/>
+      </p:ext>
+    </p:extLst>
+  </p:cSld>
+  <p:clrMapOvr>
+    <a:masterClrMapping/>
+  </p:clrMapOvr>
+</p:sld>
+</file>
+
+<file path=ppt/slides/slide9.xml><?xml version="1.0" encoding="utf-8"?>
+<p:sld xmlns:a="http://schemas.openxmlformats.org/drawingml/2006/main" xmlns:r="http://schemas.openxmlformats.org/officeDocument/2006/relationships" xmlns:p="http://schemas.openxmlformats.org/presentationml/2006/main">
+  <p:cSld>
+    <p:spTree>
+      <p:nvGrpSpPr>
+        <p:cNvPr id="1" name=""/>
+        <p:cNvGrpSpPr/>
+        <p:nvPr/>
+      </p:nvGrpSpPr>
+      <p:grpSpPr>
+        <a:xfrm>
+          <a:off x="0" y="0"/>
+          <a:ext cx="0" cy="0"/>
+          <a:chOff x="0" y="0"/>
+          <a:chExt cx="0" cy="0"/>
+        </a:xfrm>
+      </p:grpSpPr>
       <p:sp>
         <p:nvSpPr>
           <p:cNvPr id="2" name="Title 1">
@@ -4163,7 +4589,13 @@
           <a:p>
             <a:r>
               <a:rPr lang="en-US" sz="3600" b="1" dirty="0"/>
-              <a:t>Takes in prescription information rather than manual input</a:t>
+              <a:t>Takes in prescription information automatically rather than manual input</a:t>
+            </a:r>
+          </a:p>
+          <a:p>
+            <a:r>
+              <a:rPr lang="en-US" sz="3600" b="1" dirty="0"/>
+              <a:t>Wider database of drug information (manufacturer specific)</a:t>
             </a:r>
           </a:p>
           <a:p>
@@ -4174,12 +4606,8 @@
           </a:p>
           <a:p>
             <a:r>
-              <a:rPr lang="en-US" sz="3600" b="1" dirty="0" err="1"/>
-              <a:t>Personalise</a:t>
-            </a:r>
-            <a:r>
               <a:rPr lang="en-US" sz="3600" b="1" dirty="0"/>
-              <a:t> further </a:t>
+              <a:t>Further personalized messages</a:t>
             </a:r>
           </a:p>
         </p:txBody>
